--- a/fig.mt.rdna_ppt.pptx
+++ b/fig.mt.rdna_ppt.pptx
@@ -243,7 +243,7 @@
           <a:p>
             <a:fld id="{DDF9F19E-E649-C349-8A66-DCD8EB8A81E5}" type="datetimeFigureOut">
               <a:rPr lang="en-US" smtClean="0"/>
-              <a:t>1/17/19</a:t>
+              <a:t>2/12/19</a:t>
             </a:fld>
             <a:endParaRPr lang="en-US"/>
           </a:p>
@@ -413,7 +413,7 @@
           <a:p>
             <a:fld id="{DDF9F19E-E649-C349-8A66-DCD8EB8A81E5}" type="datetimeFigureOut">
               <a:rPr lang="en-US" smtClean="0"/>
-              <a:t>1/17/19</a:t>
+              <a:t>2/12/19</a:t>
             </a:fld>
             <a:endParaRPr lang="en-US"/>
           </a:p>
@@ -593,7 +593,7 @@
           <a:p>
             <a:fld id="{DDF9F19E-E649-C349-8A66-DCD8EB8A81E5}" type="datetimeFigureOut">
               <a:rPr lang="en-US" smtClean="0"/>
-              <a:t>1/17/19</a:t>
+              <a:t>2/12/19</a:t>
             </a:fld>
             <a:endParaRPr lang="en-US"/>
           </a:p>
@@ -763,7 +763,7 @@
           <a:p>
             <a:fld id="{DDF9F19E-E649-C349-8A66-DCD8EB8A81E5}" type="datetimeFigureOut">
               <a:rPr lang="en-US" smtClean="0"/>
-              <a:t>1/17/19</a:t>
+              <a:t>2/12/19</a:t>
             </a:fld>
             <a:endParaRPr lang="en-US"/>
           </a:p>
@@ -1007,7 +1007,7 @@
           <a:p>
             <a:fld id="{DDF9F19E-E649-C349-8A66-DCD8EB8A81E5}" type="datetimeFigureOut">
               <a:rPr lang="en-US" smtClean="0"/>
-              <a:t>1/17/19</a:t>
+              <a:t>2/12/19</a:t>
             </a:fld>
             <a:endParaRPr lang="en-US"/>
           </a:p>
@@ -1239,7 +1239,7 @@
           <a:p>
             <a:fld id="{DDF9F19E-E649-C349-8A66-DCD8EB8A81E5}" type="datetimeFigureOut">
               <a:rPr lang="en-US" smtClean="0"/>
-              <a:t>1/17/19</a:t>
+              <a:t>2/12/19</a:t>
             </a:fld>
             <a:endParaRPr lang="en-US"/>
           </a:p>
@@ -1606,7 +1606,7 @@
           <a:p>
             <a:fld id="{DDF9F19E-E649-C349-8A66-DCD8EB8A81E5}" type="datetimeFigureOut">
               <a:rPr lang="en-US" smtClean="0"/>
-              <a:t>1/17/19</a:t>
+              <a:t>2/12/19</a:t>
             </a:fld>
             <a:endParaRPr lang="en-US"/>
           </a:p>
@@ -1724,7 +1724,7 @@
           <a:p>
             <a:fld id="{DDF9F19E-E649-C349-8A66-DCD8EB8A81E5}" type="datetimeFigureOut">
               <a:rPr lang="en-US" smtClean="0"/>
-              <a:t>1/17/19</a:t>
+              <a:t>2/12/19</a:t>
             </a:fld>
             <a:endParaRPr lang="en-US"/>
           </a:p>
@@ -1819,7 +1819,7 @@
           <a:p>
             <a:fld id="{DDF9F19E-E649-C349-8A66-DCD8EB8A81E5}" type="datetimeFigureOut">
               <a:rPr lang="en-US" smtClean="0"/>
-              <a:t>1/17/19</a:t>
+              <a:t>2/12/19</a:t>
             </a:fld>
             <a:endParaRPr lang="en-US"/>
           </a:p>
@@ -2096,7 +2096,7 @@
           <a:p>
             <a:fld id="{DDF9F19E-E649-C349-8A66-DCD8EB8A81E5}" type="datetimeFigureOut">
               <a:rPr lang="en-US" smtClean="0"/>
-              <a:t>1/17/19</a:t>
+              <a:t>2/12/19</a:t>
             </a:fld>
             <a:endParaRPr lang="en-US"/>
           </a:p>
@@ -2353,7 +2353,7 @@
           <a:p>
             <a:fld id="{DDF9F19E-E649-C349-8A66-DCD8EB8A81E5}" type="datetimeFigureOut">
               <a:rPr lang="en-US" smtClean="0"/>
-              <a:t>1/17/19</a:t>
+              <a:t>2/12/19</a:t>
             </a:fld>
             <a:endParaRPr lang="en-US"/>
           </a:p>
@@ -2566,7 +2566,7 @@
           <a:p>
             <a:fld id="{DDF9F19E-E649-C349-8A66-DCD8EB8A81E5}" type="datetimeFigureOut">
               <a:rPr lang="en-US" smtClean="0"/>
-              <a:t>1/17/19</a:t>
+              <a:t>2/12/19</a:t>
             </a:fld>
             <a:endParaRPr lang="en-US"/>
           </a:p>
@@ -2997,7 +2997,7 @@
       </p:pic>
       <p:pic>
         <p:nvPicPr>
-          <p:cNvPr id="5" name="Picture 4"/>
+          <p:cNvPr id="6" name="Picture 5"/>
           <p:cNvPicPr>
             <a:picLocks noChangeAspect="1"/>
           </p:cNvPicPr>
@@ -3005,30 +3005,6 @@
         </p:nvPicPr>
         <p:blipFill>
           <a:blip r:embed="rId3"/>
-          <a:stretch>
-            <a:fillRect/>
-          </a:stretch>
-        </p:blipFill>
-        <p:spPr>
-          <a:xfrm>
-            <a:off x="6835844" y="931334"/>
-            <a:ext cx="3524545" cy="2743200"/>
-          </a:xfrm>
-          <a:prstGeom prst="rect">
-            <a:avLst/>
-          </a:prstGeom>
-        </p:spPr>
-      </p:pic>
-      <p:pic>
-        <p:nvPicPr>
-          <p:cNvPr id="6" name="Picture 5"/>
-          <p:cNvPicPr>
-            <a:picLocks noChangeAspect="1"/>
-          </p:cNvPicPr>
-          <p:nvPr/>
-        </p:nvPicPr>
-        <p:blipFill>
-          <a:blip r:embed="rId4"/>
           <a:stretch>
             <a:fillRect/>
           </a:stretch>
@@ -3052,7 +3028,7 @@
           <p:nvPr/>
         </p:nvPicPr>
         <p:blipFill>
-          <a:blip r:embed="rId5"/>
+          <a:blip r:embed="rId4"/>
           <a:stretch>
             <a:fillRect/>
           </a:stretch>
@@ -3076,7 +3052,7 @@
           <p:nvPr/>
         </p:nvPicPr>
         <p:blipFill>
-          <a:blip r:embed="rId6"/>
+          <a:blip r:embed="rId5"/>
           <a:stretch>
             <a:fillRect/>
           </a:stretch>
@@ -3100,7 +3076,7 @@
           <p:nvPr/>
         </p:nvPicPr>
         <p:blipFill>
-          <a:blip r:embed="rId7"/>
+          <a:blip r:embed="rId6"/>
           <a:stretch>
             <a:fillRect/>
           </a:stretch>
@@ -3123,8 +3099,8 @@
         </p:nvSpPr>
         <p:spPr>
           <a:xfrm>
-            <a:off x="851390" y="232702"/>
-            <a:ext cx="466794" cy="553998"/>
+            <a:off x="851390" y="232701"/>
+            <a:ext cx="407484" cy="553998"/>
           </a:xfrm>
           <a:prstGeom prst="rect">
             <a:avLst/>
@@ -3138,8 +3114,8 @@
           <a:lstStyle/>
           <a:p>
             <a:r>
-              <a:rPr lang="en-US" sz="3000" dirty="0" smtClean="0"/>
-              <a:t>a.</a:t>
+              <a:rPr lang="en-US" sz="3000" dirty="0"/>
+              <a:t>A</a:t>
             </a:r>
             <a:endParaRPr lang="en-US" sz="3000" dirty="0"/>
           </a:p>
@@ -3154,7 +3130,7 @@
         <p:spPr>
           <a:xfrm>
             <a:off x="842573" y="3770674"/>
-            <a:ext cx="484428" cy="553998"/>
+            <a:ext cx="389850" cy="553998"/>
           </a:xfrm>
           <a:prstGeom prst="rect">
             <a:avLst/>
@@ -3168,12 +3144,8 @@
           <a:lstStyle/>
           <a:p>
             <a:r>
-              <a:rPr lang="en-US" sz="3000" dirty="0"/>
-              <a:t>b</a:t>
-            </a:r>
-            <a:r>
               <a:rPr lang="en-US" sz="3000" dirty="0" smtClean="0"/>
-              <a:t>.</a:t>
+              <a:t>C</a:t>
             </a:r>
             <a:endParaRPr lang="en-US" sz="3000" dirty="0"/>
           </a:p>
@@ -3188,7 +3160,7 @@
         <p:spPr>
           <a:xfrm>
             <a:off x="862611" y="7308647"/>
-            <a:ext cx="444352" cy="553998"/>
+            <a:ext cx="372218" cy="553998"/>
           </a:xfrm>
           <a:prstGeom prst="rect">
             <a:avLst/>
@@ -3202,8 +3174,122 @@
           <a:lstStyle/>
           <a:p>
             <a:r>
+              <a:rPr lang="en-US" sz="3000" dirty="0"/>
+              <a:t>E</a:t>
+            </a:r>
+            <a:endParaRPr lang="en-US" sz="3000" dirty="0"/>
+          </a:p>
+        </p:txBody>
+      </p:sp>
+      <p:pic>
+        <p:nvPicPr>
+          <p:cNvPr id="3" name="Picture 2"/>
+          <p:cNvPicPr>
+            <a:picLocks noChangeAspect="1"/>
+          </p:cNvPicPr>
+          <p:nvPr/>
+        </p:nvPicPr>
+        <p:blipFill>
+          <a:blip r:embed="rId7"/>
+          <a:stretch>
+            <a:fillRect/>
+          </a:stretch>
+        </p:blipFill>
+        <p:spPr>
+          <a:xfrm>
+            <a:off x="6929244" y="786700"/>
+            <a:ext cx="3385998" cy="2561936"/>
+          </a:xfrm>
+          <a:prstGeom prst="rect">
+            <a:avLst/>
+          </a:prstGeom>
+        </p:spPr>
+      </p:pic>
+      <p:sp>
+        <p:nvSpPr>
+          <p:cNvPr id="12" name="TextBox 11"/>
+          <p:cNvSpPr txBox="1"/>
+          <p:nvPr/>
+        </p:nvSpPr>
+        <p:spPr>
+          <a:xfrm>
+            <a:off x="6428360" y="232701"/>
+            <a:ext cx="394660" cy="553998"/>
+          </a:xfrm>
+          <a:prstGeom prst="rect">
+            <a:avLst/>
+          </a:prstGeom>
+          <a:noFill/>
+        </p:spPr>
+        <p:txBody>
+          <a:bodyPr wrap="none" rtlCol="0">
+            <a:spAutoFit/>
+          </a:bodyPr>
+          <a:lstStyle/>
+          <a:p>
+            <a:r>
               <a:rPr lang="en-US" sz="3000" dirty="0" smtClean="0"/>
-              <a:t>c.</a:t>
+              <a:t>B</a:t>
+            </a:r>
+            <a:endParaRPr lang="en-US" sz="3000" dirty="0"/>
+          </a:p>
+        </p:txBody>
+      </p:sp>
+      <p:sp>
+        <p:nvSpPr>
+          <p:cNvPr id="13" name="TextBox 12"/>
+          <p:cNvSpPr txBox="1"/>
+          <p:nvPr/>
+        </p:nvSpPr>
+        <p:spPr>
+          <a:xfrm>
+            <a:off x="6463422" y="3829228"/>
+            <a:ext cx="421910" cy="553998"/>
+          </a:xfrm>
+          <a:prstGeom prst="rect">
+            <a:avLst/>
+          </a:prstGeom>
+          <a:noFill/>
+        </p:spPr>
+        <p:txBody>
+          <a:bodyPr wrap="none" rtlCol="0">
+            <a:spAutoFit/>
+          </a:bodyPr>
+          <a:lstStyle/>
+          <a:p>
+            <a:r>
+              <a:rPr lang="en-US" sz="3000" dirty="0"/>
+              <a:t>D</a:t>
+            </a:r>
+            <a:endParaRPr lang="en-US" sz="3000" dirty="0"/>
+          </a:p>
+        </p:txBody>
+      </p:sp>
+      <p:sp>
+        <p:nvSpPr>
+          <p:cNvPr id="14" name="TextBox 13"/>
+          <p:cNvSpPr txBox="1"/>
+          <p:nvPr/>
+        </p:nvSpPr>
+        <p:spPr>
+          <a:xfrm>
+            <a:off x="6499864" y="7437549"/>
+            <a:ext cx="360996" cy="553998"/>
+          </a:xfrm>
+          <a:prstGeom prst="rect">
+            <a:avLst/>
+          </a:prstGeom>
+          <a:noFill/>
+        </p:spPr>
+        <p:txBody>
+          <a:bodyPr wrap="none" rtlCol="0">
+            <a:spAutoFit/>
+          </a:bodyPr>
+          <a:lstStyle/>
+          <a:p>
+            <a:r>
+              <a:rPr lang="en-US" sz="3000" dirty="0"/>
+              <a:t>F</a:t>
             </a:r>
             <a:endParaRPr lang="en-US" sz="3000" dirty="0"/>
           </a:p>

--- a/fig.mt.rdna_ppt.pptx
+++ b/fig.mt.rdna_ppt.pptx
@@ -154,7 +154,7 @@
           </a:lstStyle>
           <a:p>
             <a:r>
-              <a:rPr lang="en-US" smtClean="0"/>
+              <a:rPr lang="en-US"/>
               <a:t>Click to edit Master title style</a:t>
             </a:r>
             <a:endParaRPr lang="en-US" dirty="0"/>
@@ -219,7 +219,7 @@
           </a:lstStyle>
           <a:p>
             <a:r>
-              <a:rPr lang="en-US" smtClean="0"/>
+              <a:rPr lang="en-US"/>
               <a:t>Click to edit Master subtitle style</a:t>
             </a:r>
             <a:endParaRPr lang="en-US" dirty="0"/>
@@ -243,7 +243,7 @@
           <a:p>
             <a:fld id="{DDF9F19E-E649-C349-8A66-DCD8EB8A81E5}" type="datetimeFigureOut">
               <a:rPr lang="en-US" smtClean="0"/>
-              <a:t>2/12/19</a:t>
+              <a:t>9/24/19</a:t>
             </a:fld>
             <a:endParaRPr lang="en-US"/>
           </a:p>
@@ -337,7 +337,7 @@
           <a:lstStyle/>
           <a:p>
             <a:r>
-              <a:rPr lang="en-US" smtClean="0"/>
+              <a:rPr lang="en-US"/>
               <a:t>Click to edit Master title style</a:t>
             </a:r>
             <a:endParaRPr lang="en-US" dirty="0"/>
@@ -361,35 +361,35 @@
           <a:p>
             <a:pPr lvl="0"/>
             <a:r>
-              <a:rPr lang="en-US" smtClean="0"/>
+              <a:rPr lang="en-US"/>
               <a:t>Click to edit Master text styles</a:t>
             </a:r>
           </a:p>
           <a:p>
             <a:pPr lvl="1"/>
             <a:r>
-              <a:rPr lang="en-US" smtClean="0"/>
+              <a:rPr lang="en-US"/>
               <a:t>Second level</a:t>
             </a:r>
           </a:p>
           <a:p>
             <a:pPr lvl="2"/>
             <a:r>
-              <a:rPr lang="en-US" smtClean="0"/>
+              <a:rPr lang="en-US"/>
               <a:t>Third level</a:t>
             </a:r>
           </a:p>
           <a:p>
             <a:pPr lvl="3"/>
             <a:r>
-              <a:rPr lang="en-US" smtClean="0"/>
+              <a:rPr lang="en-US"/>
               <a:t>Fourth level</a:t>
             </a:r>
           </a:p>
           <a:p>
             <a:pPr lvl="4"/>
             <a:r>
-              <a:rPr lang="en-US" smtClean="0"/>
+              <a:rPr lang="en-US"/>
               <a:t>Fifth level</a:t>
             </a:r>
             <a:endParaRPr lang="en-US" dirty="0"/>
@@ -413,7 +413,7 @@
           <a:p>
             <a:fld id="{DDF9F19E-E649-C349-8A66-DCD8EB8A81E5}" type="datetimeFigureOut">
               <a:rPr lang="en-US" smtClean="0"/>
-              <a:t>2/12/19</a:t>
+              <a:t>9/24/19</a:t>
             </a:fld>
             <a:endParaRPr lang="en-US"/>
           </a:p>
@@ -512,7 +512,7 @@
           <a:lstStyle/>
           <a:p>
             <a:r>
-              <a:rPr lang="en-US" smtClean="0"/>
+              <a:rPr lang="en-US"/>
               <a:t>Click to edit Master title style</a:t>
             </a:r>
             <a:endParaRPr lang="en-US" dirty="0"/>
@@ -541,35 +541,35 @@
           <a:p>
             <a:pPr lvl="0"/>
             <a:r>
-              <a:rPr lang="en-US" smtClean="0"/>
+              <a:rPr lang="en-US"/>
               <a:t>Click to edit Master text styles</a:t>
             </a:r>
           </a:p>
           <a:p>
             <a:pPr lvl="1"/>
             <a:r>
-              <a:rPr lang="en-US" smtClean="0"/>
+              <a:rPr lang="en-US"/>
               <a:t>Second level</a:t>
             </a:r>
           </a:p>
           <a:p>
             <a:pPr lvl="2"/>
             <a:r>
-              <a:rPr lang="en-US" smtClean="0"/>
+              <a:rPr lang="en-US"/>
               <a:t>Third level</a:t>
             </a:r>
           </a:p>
           <a:p>
             <a:pPr lvl="3"/>
             <a:r>
-              <a:rPr lang="en-US" smtClean="0"/>
+              <a:rPr lang="en-US"/>
               <a:t>Fourth level</a:t>
             </a:r>
           </a:p>
           <a:p>
             <a:pPr lvl="4"/>
             <a:r>
-              <a:rPr lang="en-US" smtClean="0"/>
+              <a:rPr lang="en-US"/>
               <a:t>Fifth level</a:t>
             </a:r>
             <a:endParaRPr lang="en-US" dirty="0"/>
@@ -593,7 +593,7 @@
           <a:p>
             <a:fld id="{DDF9F19E-E649-C349-8A66-DCD8EB8A81E5}" type="datetimeFigureOut">
               <a:rPr lang="en-US" smtClean="0"/>
-              <a:t>2/12/19</a:t>
+              <a:t>9/24/19</a:t>
             </a:fld>
             <a:endParaRPr lang="en-US"/>
           </a:p>
@@ -687,7 +687,7 @@
           <a:lstStyle/>
           <a:p>
             <a:r>
-              <a:rPr lang="en-US" smtClean="0"/>
+              <a:rPr lang="en-US"/>
               <a:t>Click to edit Master title style</a:t>
             </a:r>
             <a:endParaRPr lang="en-US" dirty="0"/>
@@ -711,35 +711,35 @@
           <a:p>
             <a:pPr lvl="0"/>
             <a:r>
-              <a:rPr lang="en-US" smtClean="0"/>
+              <a:rPr lang="en-US"/>
               <a:t>Click to edit Master text styles</a:t>
             </a:r>
           </a:p>
           <a:p>
             <a:pPr lvl="1"/>
             <a:r>
-              <a:rPr lang="en-US" smtClean="0"/>
+              <a:rPr lang="en-US"/>
               <a:t>Second level</a:t>
             </a:r>
           </a:p>
           <a:p>
             <a:pPr lvl="2"/>
             <a:r>
-              <a:rPr lang="en-US" smtClean="0"/>
+              <a:rPr lang="en-US"/>
               <a:t>Third level</a:t>
             </a:r>
           </a:p>
           <a:p>
             <a:pPr lvl="3"/>
             <a:r>
-              <a:rPr lang="en-US" smtClean="0"/>
+              <a:rPr lang="en-US"/>
               <a:t>Fourth level</a:t>
             </a:r>
           </a:p>
           <a:p>
             <a:pPr lvl="4"/>
             <a:r>
-              <a:rPr lang="en-US" smtClean="0"/>
+              <a:rPr lang="en-US"/>
               <a:t>Fifth level</a:t>
             </a:r>
             <a:endParaRPr lang="en-US" dirty="0"/>
@@ -763,7 +763,7 @@
           <a:p>
             <a:fld id="{DDF9F19E-E649-C349-8A66-DCD8EB8A81E5}" type="datetimeFigureOut">
               <a:rPr lang="en-US" smtClean="0"/>
-              <a:t>2/12/19</a:t>
+              <a:t>9/24/19</a:t>
             </a:fld>
             <a:endParaRPr lang="en-US"/>
           </a:p>
@@ -866,7 +866,7 @@
           </a:lstStyle>
           <a:p>
             <a:r>
-              <a:rPr lang="en-US" smtClean="0"/>
+              <a:rPr lang="en-US"/>
               <a:t>Click to edit Master title style</a:t>
             </a:r>
             <a:endParaRPr lang="en-US" dirty="0"/>
@@ -984,7 +984,7 @@
           <a:p>
             <a:pPr lvl="0"/>
             <a:r>
-              <a:rPr lang="en-US" smtClean="0"/>
+              <a:rPr lang="en-US"/>
               <a:t>Click to edit Master text styles</a:t>
             </a:r>
           </a:p>
@@ -1007,7 +1007,7 @@
           <a:p>
             <a:fld id="{DDF9F19E-E649-C349-8A66-DCD8EB8A81E5}" type="datetimeFigureOut">
               <a:rPr lang="en-US" smtClean="0"/>
-              <a:t>2/12/19</a:t>
+              <a:t>9/24/19</a:t>
             </a:fld>
             <a:endParaRPr lang="en-US"/>
           </a:p>
@@ -1101,7 +1101,7 @@
           <a:lstStyle/>
           <a:p>
             <a:r>
-              <a:rPr lang="en-US" smtClean="0"/>
+              <a:rPr lang="en-US"/>
               <a:t>Click to edit Master title style</a:t>
             </a:r>
             <a:endParaRPr lang="en-US" dirty="0"/>
@@ -1130,35 +1130,35 @@
           <a:p>
             <a:pPr lvl="0"/>
             <a:r>
-              <a:rPr lang="en-US" smtClean="0"/>
+              <a:rPr lang="en-US"/>
               <a:t>Click to edit Master text styles</a:t>
             </a:r>
           </a:p>
           <a:p>
             <a:pPr lvl="1"/>
             <a:r>
-              <a:rPr lang="en-US" smtClean="0"/>
+              <a:rPr lang="en-US"/>
               <a:t>Second level</a:t>
             </a:r>
           </a:p>
           <a:p>
             <a:pPr lvl="2"/>
             <a:r>
-              <a:rPr lang="en-US" smtClean="0"/>
+              <a:rPr lang="en-US"/>
               <a:t>Third level</a:t>
             </a:r>
           </a:p>
           <a:p>
             <a:pPr lvl="3"/>
             <a:r>
-              <a:rPr lang="en-US" smtClean="0"/>
+              <a:rPr lang="en-US"/>
               <a:t>Fourth level</a:t>
             </a:r>
           </a:p>
           <a:p>
             <a:pPr lvl="4"/>
             <a:r>
-              <a:rPr lang="en-US" smtClean="0"/>
+              <a:rPr lang="en-US"/>
               <a:t>Fifth level</a:t>
             </a:r>
             <a:endParaRPr lang="en-US" dirty="0"/>
@@ -1187,35 +1187,35 @@
           <a:p>
             <a:pPr lvl="0"/>
             <a:r>
-              <a:rPr lang="en-US" smtClean="0"/>
+              <a:rPr lang="en-US"/>
               <a:t>Click to edit Master text styles</a:t>
             </a:r>
           </a:p>
           <a:p>
             <a:pPr lvl="1"/>
             <a:r>
-              <a:rPr lang="en-US" smtClean="0"/>
+              <a:rPr lang="en-US"/>
               <a:t>Second level</a:t>
             </a:r>
           </a:p>
           <a:p>
             <a:pPr lvl="2"/>
             <a:r>
-              <a:rPr lang="en-US" smtClean="0"/>
+              <a:rPr lang="en-US"/>
               <a:t>Third level</a:t>
             </a:r>
           </a:p>
           <a:p>
             <a:pPr lvl="3"/>
             <a:r>
-              <a:rPr lang="en-US" smtClean="0"/>
+              <a:rPr lang="en-US"/>
               <a:t>Fourth level</a:t>
             </a:r>
           </a:p>
           <a:p>
             <a:pPr lvl="4"/>
             <a:r>
-              <a:rPr lang="en-US" smtClean="0"/>
+              <a:rPr lang="en-US"/>
               <a:t>Fifth level</a:t>
             </a:r>
             <a:endParaRPr lang="en-US" dirty="0"/>
@@ -1239,7 +1239,7 @@
           <a:p>
             <a:fld id="{DDF9F19E-E649-C349-8A66-DCD8EB8A81E5}" type="datetimeFigureOut">
               <a:rPr lang="en-US" smtClean="0"/>
-              <a:t>2/12/19</a:t>
+              <a:t>9/24/19</a:t>
             </a:fld>
             <a:endParaRPr lang="en-US"/>
           </a:p>
@@ -1338,7 +1338,7 @@
           <a:lstStyle/>
           <a:p>
             <a:r>
-              <a:rPr lang="en-US" smtClean="0"/>
+              <a:rPr lang="en-US"/>
               <a:t>Click to edit Master title style</a:t>
             </a:r>
             <a:endParaRPr lang="en-US" dirty="0"/>
@@ -1404,7 +1404,7 @@
           <a:p>
             <a:pPr lvl="0"/>
             <a:r>
-              <a:rPr lang="en-US" smtClean="0"/>
+              <a:rPr lang="en-US"/>
               <a:t>Click to edit Master text styles</a:t>
             </a:r>
           </a:p>
@@ -1432,35 +1432,35 @@
           <a:p>
             <a:pPr lvl="0"/>
             <a:r>
-              <a:rPr lang="en-US" smtClean="0"/>
+              <a:rPr lang="en-US"/>
               <a:t>Click to edit Master text styles</a:t>
             </a:r>
           </a:p>
           <a:p>
             <a:pPr lvl="1"/>
             <a:r>
-              <a:rPr lang="en-US" smtClean="0"/>
+              <a:rPr lang="en-US"/>
               <a:t>Second level</a:t>
             </a:r>
           </a:p>
           <a:p>
             <a:pPr lvl="2"/>
             <a:r>
-              <a:rPr lang="en-US" smtClean="0"/>
+              <a:rPr lang="en-US"/>
               <a:t>Third level</a:t>
             </a:r>
           </a:p>
           <a:p>
             <a:pPr lvl="3"/>
             <a:r>
-              <a:rPr lang="en-US" smtClean="0"/>
+              <a:rPr lang="en-US"/>
               <a:t>Fourth level</a:t>
             </a:r>
           </a:p>
           <a:p>
             <a:pPr lvl="4"/>
             <a:r>
-              <a:rPr lang="en-US" smtClean="0"/>
+              <a:rPr lang="en-US"/>
               <a:t>Fifth level</a:t>
             </a:r>
             <a:endParaRPr lang="en-US" dirty="0"/>
@@ -1526,7 +1526,7 @@
           <a:p>
             <a:pPr lvl="0"/>
             <a:r>
-              <a:rPr lang="en-US" smtClean="0"/>
+              <a:rPr lang="en-US"/>
               <a:t>Click to edit Master text styles</a:t>
             </a:r>
           </a:p>
@@ -1554,35 +1554,35 @@
           <a:p>
             <a:pPr lvl="0"/>
             <a:r>
-              <a:rPr lang="en-US" smtClean="0"/>
+              <a:rPr lang="en-US"/>
               <a:t>Click to edit Master text styles</a:t>
             </a:r>
           </a:p>
           <a:p>
             <a:pPr lvl="1"/>
             <a:r>
-              <a:rPr lang="en-US" smtClean="0"/>
+              <a:rPr lang="en-US"/>
               <a:t>Second level</a:t>
             </a:r>
           </a:p>
           <a:p>
             <a:pPr lvl="2"/>
             <a:r>
-              <a:rPr lang="en-US" smtClean="0"/>
+              <a:rPr lang="en-US"/>
               <a:t>Third level</a:t>
             </a:r>
           </a:p>
           <a:p>
             <a:pPr lvl="3"/>
             <a:r>
-              <a:rPr lang="en-US" smtClean="0"/>
+              <a:rPr lang="en-US"/>
               <a:t>Fourth level</a:t>
             </a:r>
           </a:p>
           <a:p>
             <a:pPr lvl="4"/>
             <a:r>
-              <a:rPr lang="en-US" smtClean="0"/>
+              <a:rPr lang="en-US"/>
               <a:t>Fifth level</a:t>
             </a:r>
             <a:endParaRPr lang="en-US" dirty="0"/>
@@ -1606,7 +1606,7 @@
           <a:p>
             <a:fld id="{DDF9F19E-E649-C349-8A66-DCD8EB8A81E5}" type="datetimeFigureOut">
               <a:rPr lang="en-US" smtClean="0"/>
-              <a:t>2/12/19</a:t>
+              <a:t>9/24/19</a:t>
             </a:fld>
             <a:endParaRPr lang="en-US"/>
           </a:p>
@@ -1700,7 +1700,7 @@
           <a:lstStyle/>
           <a:p>
             <a:r>
-              <a:rPr lang="en-US" smtClean="0"/>
+              <a:rPr lang="en-US"/>
               <a:t>Click to edit Master title style</a:t>
             </a:r>
             <a:endParaRPr lang="en-US" dirty="0"/>
@@ -1724,7 +1724,7 @@
           <a:p>
             <a:fld id="{DDF9F19E-E649-C349-8A66-DCD8EB8A81E5}" type="datetimeFigureOut">
               <a:rPr lang="en-US" smtClean="0"/>
-              <a:t>2/12/19</a:t>
+              <a:t>9/24/19</a:t>
             </a:fld>
             <a:endParaRPr lang="en-US"/>
           </a:p>
@@ -1819,7 +1819,7 @@
           <a:p>
             <a:fld id="{DDF9F19E-E649-C349-8A66-DCD8EB8A81E5}" type="datetimeFigureOut">
               <a:rPr lang="en-US" smtClean="0"/>
-              <a:t>2/12/19</a:t>
+              <a:t>9/24/19</a:t>
             </a:fld>
             <a:endParaRPr lang="en-US"/>
           </a:p>
@@ -1922,7 +1922,7 @@
           </a:lstStyle>
           <a:p>
             <a:r>
-              <a:rPr lang="en-US" smtClean="0"/>
+              <a:rPr lang="en-US"/>
               <a:t>Click to edit Master title style</a:t>
             </a:r>
             <a:endParaRPr lang="en-US" dirty="0"/>
@@ -1979,35 +1979,35 @@
           <a:p>
             <a:pPr lvl="0"/>
             <a:r>
-              <a:rPr lang="en-US" smtClean="0"/>
+              <a:rPr lang="en-US"/>
               <a:t>Click to edit Master text styles</a:t>
             </a:r>
           </a:p>
           <a:p>
             <a:pPr lvl="1"/>
             <a:r>
-              <a:rPr lang="en-US" smtClean="0"/>
+              <a:rPr lang="en-US"/>
               <a:t>Second level</a:t>
             </a:r>
           </a:p>
           <a:p>
             <a:pPr lvl="2"/>
             <a:r>
-              <a:rPr lang="en-US" smtClean="0"/>
+              <a:rPr lang="en-US"/>
               <a:t>Third level</a:t>
             </a:r>
           </a:p>
           <a:p>
             <a:pPr lvl="3"/>
             <a:r>
-              <a:rPr lang="en-US" smtClean="0"/>
+              <a:rPr lang="en-US"/>
               <a:t>Fourth level</a:t>
             </a:r>
           </a:p>
           <a:p>
             <a:pPr lvl="4"/>
             <a:r>
-              <a:rPr lang="en-US" smtClean="0"/>
+              <a:rPr lang="en-US"/>
               <a:t>Fifth level</a:t>
             </a:r>
             <a:endParaRPr lang="en-US" dirty="0"/>
@@ -2073,7 +2073,7 @@
           <a:p>
             <a:pPr lvl="0"/>
             <a:r>
-              <a:rPr lang="en-US" smtClean="0"/>
+              <a:rPr lang="en-US"/>
               <a:t>Click to edit Master text styles</a:t>
             </a:r>
           </a:p>
@@ -2096,7 +2096,7 @@
           <a:p>
             <a:fld id="{DDF9F19E-E649-C349-8A66-DCD8EB8A81E5}" type="datetimeFigureOut">
               <a:rPr lang="en-US" smtClean="0"/>
-              <a:t>2/12/19</a:t>
+              <a:t>9/24/19</a:t>
             </a:fld>
             <a:endParaRPr lang="en-US"/>
           </a:p>
@@ -2199,7 +2199,7 @@
           </a:lstStyle>
           <a:p>
             <a:r>
-              <a:rPr lang="en-US" smtClean="0"/>
+              <a:rPr lang="en-US"/>
               <a:t>Click to edit Master title style</a:t>
             </a:r>
             <a:endParaRPr lang="en-US" dirty="0"/>
@@ -2264,7 +2264,7 @@
           </a:lstStyle>
           <a:p>
             <a:r>
-              <a:rPr lang="en-US" smtClean="0"/>
+              <a:rPr lang="en-US"/>
               <a:t>Drag picture to placeholder or click icon to add</a:t>
             </a:r>
             <a:endParaRPr lang="en-US" dirty="0"/>
@@ -2330,7 +2330,7 @@
           <a:p>
             <a:pPr lvl="0"/>
             <a:r>
-              <a:rPr lang="en-US" smtClean="0"/>
+              <a:rPr lang="en-US"/>
               <a:t>Click to edit Master text styles</a:t>
             </a:r>
           </a:p>
@@ -2353,7 +2353,7 @@
           <a:p>
             <a:fld id="{DDF9F19E-E649-C349-8A66-DCD8EB8A81E5}" type="datetimeFigureOut">
               <a:rPr lang="en-US" smtClean="0"/>
-              <a:t>2/12/19</a:t>
+              <a:t>9/24/19</a:t>
             </a:fld>
             <a:endParaRPr lang="en-US"/>
           </a:p>
@@ -2462,7 +2462,7 @@
           <a:lstStyle/>
           <a:p>
             <a:r>
-              <a:rPr lang="en-US" smtClean="0"/>
+              <a:rPr lang="en-US"/>
               <a:t>Click to edit Master title style</a:t>
             </a:r>
             <a:endParaRPr lang="en-US" dirty="0"/>
@@ -2496,35 +2496,35 @@
           <a:p>
             <a:pPr lvl="0"/>
             <a:r>
-              <a:rPr lang="en-US" smtClean="0"/>
+              <a:rPr lang="en-US"/>
               <a:t>Click to edit Master text styles</a:t>
             </a:r>
           </a:p>
           <a:p>
             <a:pPr lvl="1"/>
             <a:r>
-              <a:rPr lang="en-US" smtClean="0"/>
+              <a:rPr lang="en-US"/>
               <a:t>Second level</a:t>
             </a:r>
           </a:p>
           <a:p>
             <a:pPr lvl="2"/>
             <a:r>
-              <a:rPr lang="en-US" smtClean="0"/>
+              <a:rPr lang="en-US"/>
               <a:t>Third level</a:t>
             </a:r>
           </a:p>
           <a:p>
             <a:pPr lvl="3"/>
             <a:r>
-              <a:rPr lang="en-US" smtClean="0"/>
+              <a:rPr lang="en-US"/>
               <a:t>Fourth level</a:t>
             </a:r>
           </a:p>
           <a:p>
             <a:pPr lvl="4"/>
             <a:r>
-              <a:rPr lang="en-US" smtClean="0"/>
+              <a:rPr lang="en-US"/>
               <a:t>Fifth level</a:t>
             </a:r>
             <a:endParaRPr lang="en-US" dirty="0"/>
@@ -2566,7 +2566,7 @@
           <a:p>
             <a:fld id="{DDF9F19E-E649-C349-8A66-DCD8EB8A81E5}" type="datetimeFigureOut">
               <a:rPr lang="en-US" smtClean="0"/>
-              <a:t>2/12/19</a:t>
+              <a:t>9/24/19</a:t>
             </a:fld>
             <a:endParaRPr lang="en-US"/>
           </a:p>
@@ -3117,7 +3117,6 @@
               <a:rPr lang="en-US" sz="3000" dirty="0"/>
               <a:t>A</a:t>
             </a:r>
-            <a:endParaRPr lang="en-US" sz="3000" dirty="0"/>
           </a:p>
         </p:txBody>
       </p:sp>
@@ -3144,10 +3143,9 @@
           <a:lstStyle/>
           <a:p>
             <a:r>
-              <a:rPr lang="en-US" sz="3000" dirty="0" smtClean="0"/>
+              <a:rPr lang="en-US" sz="3000" dirty="0"/>
               <a:t>C</a:t>
             </a:r>
-            <a:endParaRPr lang="en-US" sz="3000" dirty="0"/>
           </a:p>
         </p:txBody>
       </p:sp>
@@ -3177,7 +3175,6 @@
               <a:rPr lang="en-US" sz="3000" dirty="0"/>
               <a:t>E</a:t>
             </a:r>
-            <a:endParaRPr lang="en-US" sz="3000" dirty="0"/>
           </a:p>
         </p:txBody>
       </p:sp>
@@ -3228,10 +3225,9 @@
           <a:lstStyle/>
           <a:p>
             <a:r>
-              <a:rPr lang="en-US" sz="3000" dirty="0" smtClean="0"/>
+              <a:rPr lang="en-US" sz="3000" dirty="0"/>
               <a:t>B</a:t>
             </a:r>
-            <a:endParaRPr lang="en-US" sz="3000" dirty="0"/>
           </a:p>
         </p:txBody>
       </p:sp>
@@ -3261,7 +3257,6 @@
               <a:rPr lang="en-US" sz="3000" dirty="0"/>
               <a:t>D</a:t>
             </a:r>
-            <a:endParaRPr lang="en-US" sz="3000" dirty="0"/>
           </a:p>
         </p:txBody>
       </p:sp>
@@ -3291,10 +3286,99 @@
               <a:rPr lang="en-US" sz="3000" dirty="0"/>
               <a:t>F</a:t>
             </a:r>
-            <a:endParaRPr lang="en-US" sz="3000" dirty="0"/>
-          </a:p>
-        </p:txBody>
-      </p:sp>
+          </a:p>
+        </p:txBody>
+      </p:sp>
+      <p:pic>
+        <p:nvPicPr>
+          <p:cNvPr id="15" name="Picture 14">
+            <a:extLst>
+              <a:ext uri="{FF2B5EF4-FFF2-40B4-BE49-F238E27FC236}">
+                <a16:creationId xmlns:a16="http://schemas.microsoft.com/office/drawing/2014/main" id="{7D64427E-21AF-AB41-A7C0-4D0C441F4636}"/>
+              </a:ext>
+            </a:extLst>
+          </p:cNvPr>
+          <p:cNvPicPr>
+            <a:picLocks noChangeAspect="1"/>
+          </p:cNvPicPr>
+          <p:nvPr/>
+        </p:nvPicPr>
+        <p:blipFill>
+          <a:blip r:embed="rId8"/>
+          <a:stretch>
+            <a:fillRect/>
+          </a:stretch>
+        </p:blipFill>
+        <p:spPr>
+          <a:xfrm>
+            <a:off x="11430000" y="596794"/>
+            <a:ext cx="4155341" cy="3509433"/>
+          </a:xfrm>
+          <a:prstGeom prst="rect">
+            <a:avLst/>
+          </a:prstGeom>
+        </p:spPr>
+      </p:pic>
+      <p:pic>
+        <p:nvPicPr>
+          <p:cNvPr id="16" name="Picture 15">
+            <a:extLst>
+              <a:ext uri="{FF2B5EF4-FFF2-40B4-BE49-F238E27FC236}">
+                <a16:creationId xmlns:a16="http://schemas.microsoft.com/office/drawing/2014/main" id="{D36C8DCC-F8BF-2844-8D28-570FBD96F18D}"/>
+              </a:ext>
+            </a:extLst>
+          </p:cNvPr>
+          <p:cNvPicPr>
+            <a:picLocks noChangeAspect="1"/>
+          </p:cNvPicPr>
+          <p:nvPr/>
+        </p:nvPicPr>
+        <p:blipFill>
+          <a:blip r:embed="rId9"/>
+          <a:stretch>
+            <a:fillRect/>
+          </a:stretch>
+        </p:blipFill>
+        <p:spPr>
+          <a:xfrm>
+            <a:off x="11670667" y="4183605"/>
+            <a:ext cx="4304003" cy="3142441"/>
+          </a:xfrm>
+          <a:prstGeom prst="rect">
+            <a:avLst/>
+          </a:prstGeom>
+        </p:spPr>
+      </p:pic>
+      <p:pic>
+        <p:nvPicPr>
+          <p:cNvPr id="17" name="Picture 16">
+            <a:extLst>
+              <a:ext uri="{FF2B5EF4-FFF2-40B4-BE49-F238E27FC236}">
+                <a16:creationId xmlns:a16="http://schemas.microsoft.com/office/drawing/2014/main" id="{3E61CD05-203C-2E42-B00E-45EB728A96C7}"/>
+              </a:ext>
+            </a:extLst>
+          </p:cNvPr>
+          <p:cNvPicPr>
+            <a:picLocks noChangeAspect="1"/>
+          </p:cNvPicPr>
+          <p:nvPr/>
+        </p:nvPicPr>
+        <p:blipFill>
+          <a:blip r:embed="rId10"/>
+          <a:stretch>
+            <a:fillRect/>
+          </a:stretch>
+        </p:blipFill>
+        <p:spPr>
+          <a:xfrm>
+            <a:off x="11670667" y="7687212"/>
+            <a:ext cx="5435600" cy="3949700"/>
+          </a:xfrm>
+          <a:prstGeom prst="rect">
+            <a:avLst/>
+          </a:prstGeom>
+        </p:spPr>
+      </p:pic>
     </p:spTree>
     <p:extLst>
       <p:ext uri="{BB962C8B-B14F-4D97-AF65-F5344CB8AC3E}">
